--- a/08 - Recap and Check-In/Model Selection and Recap.pptx
+++ b/08 - Recap and Check-In/Model Selection and Recap.pptx
@@ -15304,7 +15304,7 @@
             </a:pPr>
             <a:r>
               <a:rPr lang="en-US" sz="2667" dirty="0"/>
-              <a:t>Use test set performances up to a given point in time to do model selection using each strategy</a:t>
+              <a:t>Use validation set performances up to a given point in time to do model selection using each strategy</a:t>
             </a:r>
             <a:br>
               <a:rPr lang="en-US" sz="2667" dirty="0"/>
@@ -19424,7 +19424,7 @@
           <a:p>
             <a:r>
               <a:rPr lang="en-US" dirty="0"/>
-              <a:t>15 minute team check-ins Wed/Thurs (we’ll slack time slots)</a:t>
+              <a:t>15 minute team check-ins Wed/Thurs (see slack for time slots)</a:t>
             </a:r>
           </a:p>
           <a:p>
@@ -19449,7 +19449,7 @@
             </a:r>
             <a:r>
               <a:rPr lang="en-US" b="1" dirty="0"/>
-              <a:t>Monday</a:t>
+              <a:t>Monday/Tuesday</a:t>
             </a:r>
             <a:r>
               <a:rPr lang="en-US" dirty="0"/>
@@ -25573,7 +25573,7 @@
           <a:p>
             <a:r>
               <a:rPr lang="en-US" dirty="0"/>
-              <a:t>15 minute team check-ins Wed/Thurs (we’ll slack time slots)</a:t>
+              <a:t>15 minute team check-ins Wed/Thurs (see slack for time slots)</a:t>
             </a:r>
           </a:p>
           <a:p>
@@ -25598,7 +25598,7 @@
             </a:r>
             <a:r>
               <a:rPr lang="en-US" b="1" dirty="0"/>
-              <a:t>Monday</a:t>
+              <a:t>Monday/Tuesday</a:t>
             </a:r>
             <a:r>
               <a:rPr lang="en-US" dirty="0"/>
